--- a/make_presentation/templates/templates/classic/_4.pptx
+++ b/make_presentation/templates/templates/classic/_4.pptx
@@ -295,7 +295,7 @@
             <a:pPr algn="r">
               <a:buNone/>
             </a:pPr>
-            <a:fld id="{AEA0A39E-1C88-4527-BFA1-DD9554AB18C3}" type="slidenum">
+            <a:fld id="{2676A809-2934-4577-9699-2BEA632EC5CA}" type="slidenum">
               <a:rPr b="0" lang="en-US" sz="1400" spc="-1" strike="noStrike">
                 <a:latin typeface="Times New Roman"/>
               </a:rPr>
@@ -343,7 +343,7 @@
         <p:spPr>
           <a:xfrm>
             <a:off x="380880" y="685800"/>
-            <a:ext cx="6093000" cy="3426120"/>
+            <a:ext cx="6092640" cy="3425760"/>
           </a:xfrm>
           <a:prstGeom prst="rect">
             <a:avLst/>
@@ -366,7 +366,7 @@
         <p:spPr>
           <a:xfrm>
             <a:off x="685800" y="4343400"/>
-            <a:ext cx="5483520" cy="4111920"/>
+            <a:ext cx="5483160" cy="4111560"/>
           </a:xfrm>
           <a:prstGeom prst="rect">
             <a:avLst/>
@@ -400,7 +400,7 @@
         <p:spPr>
           <a:xfrm>
             <a:off x="3884760" y="8685360"/>
-            <a:ext cx="2968920" cy="454320"/>
+            <a:ext cx="2968560" cy="453960"/>
           </a:xfrm>
           <a:prstGeom prst="rect">
             <a:avLst/>
@@ -436,7 +436,7 @@
               </a:lnSpc>
               <a:buNone/>
             </a:pPr>
-            <a:fld id="{4E2060D6-6A3C-4020-8A68-347BCB225D64}" type="slidenum">
+            <a:fld id="{98EEEABC-F75C-4BCB-9D49-6C2FA14D01EE}" type="slidenum">
               <a:rPr b="0" lang="en-US" sz="1200" spc="-1" strike="noStrike">
                 <a:solidFill>
                   <a:srgbClr val="000000"/>
@@ -487,7 +487,7 @@
         <p:spPr>
           <a:xfrm>
             <a:off x="380880" y="685800"/>
-            <a:ext cx="6093000" cy="3426120"/>
+            <a:ext cx="6092640" cy="3425760"/>
           </a:xfrm>
           <a:prstGeom prst="rect">
             <a:avLst/>
@@ -510,7 +510,7 @@
         <p:spPr>
           <a:xfrm>
             <a:off x="685800" y="4343400"/>
-            <a:ext cx="5483520" cy="4111920"/>
+            <a:ext cx="5483160" cy="4111560"/>
           </a:xfrm>
           <a:prstGeom prst="rect">
             <a:avLst/>
@@ -544,7 +544,7 @@
         <p:spPr>
           <a:xfrm>
             <a:off x="3884760" y="8685360"/>
-            <a:ext cx="2968920" cy="454320"/>
+            <a:ext cx="2968560" cy="453960"/>
           </a:xfrm>
           <a:prstGeom prst="rect">
             <a:avLst/>
@@ -580,7 +580,7 @@
               </a:lnSpc>
               <a:buNone/>
             </a:pPr>
-            <a:fld id="{411A8134-F1E4-4E04-BBA6-DD44F7F82626}" type="slidenum">
+            <a:fld id="{A231DD35-9E46-4FA9-8D0A-DCB8B64BAF5D}" type="slidenum">
               <a:rPr b="0" lang="en-US" sz="1200" spc="-1" strike="noStrike">
                 <a:solidFill>
                   <a:srgbClr val="000000"/>
@@ -631,7 +631,7 @@
         <p:spPr>
           <a:xfrm>
             <a:off x="380880" y="685800"/>
-            <a:ext cx="6093000" cy="3426120"/>
+            <a:ext cx="6092640" cy="3425760"/>
           </a:xfrm>
           <a:prstGeom prst="rect">
             <a:avLst/>
@@ -654,7 +654,7 @@
         <p:spPr>
           <a:xfrm>
             <a:off x="685800" y="4343400"/>
-            <a:ext cx="5483520" cy="4111920"/>
+            <a:ext cx="5483160" cy="4111560"/>
           </a:xfrm>
           <a:prstGeom prst="rect">
             <a:avLst/>
@@ -688,7 +688,7 @@
         <p:spPr>
           <a:xfrm>
             <a:off x="3884760" y="8685360"/>
-            <a:ext cx="2968920" cy="454320"/>
+            <a:ext cx="2968560" cy="453960"/>
           </a:xfrm>
           <a:prstGeom prst="rect">
             <a:avLst/>
@@ -724,7 +724,7 @@
               </a:lnSpc>
               <a:buNone/>
             </a:pPr>
-            <a:fld id="{29B66BDE-EA69-4FD1-964C-D350C4BBABED}" type="slidenum">
+            <a:fld id="{95A7A9FC-7E7F-471F-AB9F-EE121ABFEF11}" type="slidenum">
               <a:rPr b="0" lang="en-US" sz="1200" spc="-1" strike="noStrike">
                 <a:solidFill>
                   <a:srgbClr val="000000"/>
@@ -775,7 +775,7 @@
         <p:spPr>
           <a:xfrm>
             <a:off x="380880" y="685800"/>
-            <a:ext cx="6093000" cy="3426120"/>
+            <a:ext cx="6092640" cy="3425760"/>
           </a:xfrm>
           <a:prstGeom prst="rect">
             <a:avLst/>
@@ -798,7 +798,7 @@
         <p:spPr>
           <a:xfrm>
             <a:off x="685800" y="4343400"/>
-            <a:ext cx="5483520" cy="4111920"/>
+            <a:ext cx="5483160" cy="4111560"/>
           </a:xfrm>
           <a:prstGeom prst="rect">
             <a:avLst/>
@@ -832,7 +832,7 @@
         <p:spPr>
           <a:xfrm>
             <a:off x="3884760" y="8685360"/>
-            <a:ext cx="2968920" cy="454320"/>
+            <a:ext cx="2968560" cy="453960"/>
           </a:xfrm>
           <a:prstGeom prst="rect">
             <a:avLst/>
@@ -868,7 +868,7 @@
               </a:lnSpc>
               <a:buNone/>
             </a:pPr>
-            <a:fld id="{5BD665AF-82F7-4861-8C79-40D169C4B90B}" type="slidenum">
+            <a:fld id="{00E3835D-3249-4AA5-993D-6C0C67C5A091}" type="slidenum">
               <a:rPr b="0" lang="en-US" sz="1200" spc="-1" strike="noStrike">
                 <a:solidFill>
                   <a:srgbClr val="000000"/>
@@ -940,7 +940,7 @@
         <p:txBody>
           <a:bodyPr/>
           <a:p>
-            <a:fld id="{34716630-8ED8-4E7D-9675-E708D220449A}" type="slidenum">
+            <a:fld id="{66D5AA05-9D97-4100-92C4-6194DCDC7BA6}" type="slidenum">
               <a:t>&lt;#&gt;</a:t>
             </a:fld>
           </a:p>
@@ -1128,7 +1128,7 @@
         <p:txBody>
           <a:bodyPr/>
           <a:p>
-            <a:fld id="{5C3E75E4-9B9C-4A7A-B0D9-05755FFB7EEC}" type="slidenum">
+            <a:fld id="{AFE8025A-1B3F-463B-AA61-09F13B6F021A}" type="slidenum">
               <a:t>&lt;#&gt;</a:t>
             </a:fld>
           </a:p>
@@ -1384,7 +1384,7 @@
         <p:txBody>
           <a:bodyPr/>
           <a:p>
-            <a:fld id="{AB9E158A-5E62-4FB3-B006-420D66A11FBC}" type="slidenum">
+            <a:fld id="{CFA1A808-D2D8-45C9-9160-50D7D8825C9E}" type="slidenum">
               <a:t>&lt;#&gt;</a:t>
             </a:fld>
           </a:p>
@@ -1708,7 +1708,7 @@
         <p:txBody>
           <a:bodyPr/>
           <a:p>
-            <a:fld id="{999B03F0-5D14-46A4-99EC-61DABA68A0B3}" type="slidenum">
+            <a:fld id="{1EEA5EF8-66FB-497E-9DEC-8BB9E7C0DE0E}" type="slidenum">
               <a:t>&lt;#&gt;</a:t>
             </a:fld>
           </a:p>
@@ -1865,7 +1865,7 @@
         <p:txBody>
           <a:bodyPr/>
           <a:p>
-            <a:fld id="{4427C305-3651-4533-B15C-E459DAC3D5C6}" type="slidenum">
+            <a:fld id="{A6ABE7ED-2AAA-45C4-874D-3B051737096B}" type="slidenum">
               <a:t>&lt;#&gt;</a:t>
             </a:fld>
           </a:p>
@@ -2019,7 +2019,7 @@
         <p:txBody>
           <a:bodyPr/>
           <a:p>
-            <a:fld id="{96E81DF8-707D-49BD-9CF7-78D9BE34564D}" type="slidenum">
+            <a:fld id="{D6CDDAFD-8F25-4EA5-9F51-594CDF3510B8}" type="slidenum">
               <a:t>&lt;#&gt;</a:t>
             </a:fld>
           </a:p>
@@ -2207,7 +2207,7 @@
         <p:txBody>
           <a:bodyPr/>
           <a:p>
-            <a:fld id="{8BCBFC7C-6045-413A-9D7E-E74CADD0BEEE}" type="slidenum">
+            <a:fld id="{3F26054C-FB42-4885-91EA-B201C6D2EE98}" type="slidenum">
               <a:t>&lt;#&gt;</a:t>
             </a:fld>
           </a:p>
@@ -2327,7 +2327,7 @@
         <p:txBody>
           <a:bodyPr/>
           <a:p>
-            <a:fld id="{3D9C35A5-C5C0-4B94-AEA2-A9072CB617F5}" type="slidenum">
+            <a:fld id="{AB1B3EB6-99C5-4C8B-A5B7-B50E99A3EA2C}" type="slidenum">
               <a:t>&lt;#&gt;</a:t>
             </a:fld>
           </a:p>
@@ -2447,7 +2447,7 @@
         <p:txBody>
           <a:bodyPr/>
           <a:p>
-            <a:fld id="{B0C6C28F-6440-48D5-B4F0-474E15A4C776}" type="slidenum">
+            <a:fld id="{EC40090E-20A6-43EB-9EF4-CA16106F8240}" type="slidenum">
               <a:t>&lt;#&gt;</a:t>
             </a:fld>
           </a:p>
@@ -2669,7 +2669,7 @@
         <p:txBody>
           <a:bodyPr/>
           <a:p>
-            <a:fld id="{642CB207-E536-448B-8622-80357E0A73DD}" type="slidenum">
+            <a:fld id="{6A0ECF3E-82CC-45F3-8317-612DCCF3F6AE}" type="slidenum">
               <a:t>&lt;#&gt;</a:t>
             </a:fld>
           </a:p>
@@ -2891,7 +2891,7 @@
         <p:txBody>
           <a:bodyPr/>
           <a:p>
-            <a:fld id="{9E2C646D-1358-4427-A0A8-E113413C6D74}" type="slidenum">
+            <a:fld id="{EF59623D-5C54-4482-9790-F8A157DB4DE8}" type="slidenum">
               <a:t>&lt;#&gt;</a:t>
             </a:fld>
           </a:p>
@@ -3113,7 +3113,7 @@
         <p:txBody>
           <a:bodyPr/>
           <a:p>
-            <a:fld id="{6764C3CB-03D7-4327-92D0-19122848AD22}" type="slidenum">
+            <a:fld id="{B1A27CDE-E602-49A0-9C5F-943FA75EC325}" type="slidenum">
               <a:t>&lt;#&gt;</a:t>
             </a:fld>
           </a:p>
@@ -3182,7 +3182,7 @@
         <p:spPr>
           <a:xfrm>
             <a:off x="3028680" y="4771440"/>
-            <a:ext cx="3083760" cy="271800"/>
+            <a:ext cx="3083400" cy="271440"/>
           </a:xfrm>
           <a:prstGeom prst="rect">
             <a:avLst/>
@@ -3247,7 +3247,7 @@
         <p:spPr>
           <a:xfrm>
             <a:off x="6457680" y="4771440"/>
-            <a:ext cx="2055240" cy="271800"/>
+            <a:ext cx="2054880" cy="271440"/>
           </a:xfrm>
           <a:prstGeom prst="rect">
             <a:avLst/>
@@ -3283,7 +3283,7 @@
               </a:lnSpc>
               <a:buNone/>
             </a:pPr>
-            <a:fld id="{3643E7CD-E848-4556-A4B8-CF7034DB4286}" type="slidenum">
+            <a:fld id="{1D5E44E0-4033-41F1-825A-CFAB153419EB}" type="slidenum">
               <a:rPr b="0" lang="en-US" sz="1200" spc="-1" strike="noStrike">
                 <a:solidFill>
                   <a:srgbClr val="8b8b8b"/>
@@ -3312,7 +3312,7 @@
         <p:spPr>
           <a:xfrm>
             <a:off x="628200" y="4771440"/>
-            <a:ext cx="2055240" cy="271800"/>
+            <a:ext cx="2054880" cy="271440"/>
           </a:xfrm>
           <a:prstGeom prst="rect">
             <a:avLst/>
@@ -3624,8 +3624,8 @@
         </p:nvSpPr>
         <p:spPr>
           <a:xfrm rot="2744400">
-            <a:off x="-282600" y="-25920"/>
-            <a:ext cx="705960" cy="705600"/>
+            <a:off x="-282240" y="-25920"/>
+            <a:ext cx="705600" cy="705240"/>
           </a:xfrm>
           <a:prstGeom prst="roundRect">
             <a:avLst>
@@ -3662,8 +3662,8 @@
         </p:nvSpPr>
         <p:spPr>
           <a:xfrm rot="2625600">
-            <a:off x="6024960" y="4334040"/>
-            <a:ext cx="469800" cy="469800"/>
+            <a:off x="6024960" y="4333680"/>
+            <a:ext cx="469440" cy="469440"/>
           </a:xfrm>
           <a:prstGeom prst="roundRect">
             <a:avLst>
@@ -3701,7 +3701,7 @@
         <p:spPr>
           <a:xfrm rot="18679200">
             <a:off x="7004880" y="948600"/>
-            <a:ext cx="4941360" cy="4667760"/>
+            <a:ext cx="4941000" cy="4667400"/>
           </a:xfrm>
           <a:prstGeom prst="roundRect">
             <a:avLst>
@@ -3739,7 +3739,7 @@
         <p:spPr>
           <a:xfrm>
             <a:off x="459720" y="4671360"/>
-            <a:ext cx="2997000" cy="267840"/>
+            <a:ext cx="2996640" cy="267480"/>
           </a:xfrm>
           <a:prstGeom prst="rect">
             <a:avLst/>
@@ -3804,8 +3804,8 @@
         </p:blipFill>
         <p:spPr>
           <a:xfrm>
-            <a:off x="2423160" y="4671720"/>
-            <a:ext cx="289440" cy="289440"/>
+            <a:off x="2971800" y="4740120"/>
+            <a:ext cx="289080" cy="289080"/>
           </a:xfrm>
           <a:prstGeom prst="rect">
             <a:avLst/>
@@ -3824,7 +3824,7 @@
         <p:spPr>
           <a:xfrm>
             <a:off x="484920" y="1681560"/>
-            <a:ext cx="5482440" cy="1883880"/>
+            <a:ext cx="5482080" cy="1883520"/>
           </a:xfrm>
           <a:prstGeom prst="rect">
             <a:avLst/>
@@ -3906,7 +3906,7 @@
         <p:spPr>
           <a:xfrm>
             <a:off x="586440" y="1246680"/>
-            <a:ext cx="4005720" cy="3601440"/>
+            <a:ext cx="4005360" cy="3601080"/>
           </a:xfrm>
           <a:prstGeom prst="rect">
             <a:avLst/>
@@ -3958,7 +3958,7 @@
         <p:spPr>
           <a:xfrm>
             <a:off x="559800" y="446040"/>
-            <a:ext cx="4285080" cy="685080"/>
+            <a:ext cx="4284720" cy="684720"/>
           </a:xfrm>
           <a:prstGeom prst="rect">
             <a:avLst/>
@@ -4010,7 +4010,7 @@
         <p:spPr>
           <a:xfrm>
             <a:off x="5097600" y="360"/>
-            <a:ext cx="4381200" cy="5145480"/>
+            <a:ext cx="4380840" cy="5145120"/>
           </a:xfrm>
           <a:prstGeom prst="roundRect">
             <a:avLst>
@@ -4075,8 +4075,8 @@
         </p:nvSpPr>
         <p:spPr>
           <a:xfrm rot="2744400">
-            <a:off x="-282600" y="-25920"/>
-            <a:ext cx="705960" cy="705600"/>
+            <a:off x="-282240" y="-25920"/>
+            <a:ext cx="705600" cy="705240"/>
           </a:xfrm>
           <a:prstGeom prst="roundRect">
             <a:avLst>
@@ -4113,8 +4113,8 @@
         </p:nvSpPr>
         <p:spPr>
           <a:xfrm rot="2625600">
-            <a:off x="4861080" y="4147920"/>
-            <a:ext cx="469800" cy="469800"/>
+            <a:off x="4861080" y="4147560"/>
+            <a:ext cx="469440" cy="469440"/>
           </a:xfrm>
           <a:prstGeom prst="roundRect">
             <a:avLst>
@@ -4188,8 +4188,8 @@
         </p:nvSpPr>
         <p:spPr>
           <a:xfrm rot="2744400">
-            <a:off x="-351720" y="4541400"/>
-            <a:ext cx="705960" cy="705600"/>
+            <a:off x="-351360" y="4541040"/>
+            <a:ext cx="705600" cy="705240"/>
           </a:xfrm>
           <a:prstGeom prst="roundRect">
             <a:avLst>
@@ -4226,8 +4226,8 @@
         </p:nvSpPr>
         <p:spPr>
           <a:xfrm rot="19228200">
-            <a:off x="5847480" y="-2268000"/>
-            <a:ext cx="4856760" cy="7727760"/>
+            <a:off x="5847120" y="-2267640"/>
+            <a:ext cx="4856400" cy="7727400"/>
           </a:xfrm>
           <a:prstGeom prst="roundRect">
             <a:avLst>
@@ -4265,9 +4265,9 @@
         <p:grpSpPr>
           <a:xfrm>
             <a:off x="4571640" y="828000"/>
-            <a:ext cx="4469760" cy="3565800"/>
+            <a:ext cx="4469400" cy="3565440"/>
             <a:chOff x="4571640" y="828000"/>
-            <a:chExt cx="4469760" cy="3565800"/>
+            <a:chExt cx="4469400" cy="3565440"/>
           </a:xfrm>
         </p:grpSpPr>
         <p:pic>
@@ -4283,7 +4283,7 @@
           <p:spPr>
             <a:xfrm>
               <a:off x="4571640" y="828000"/>
-              <a:ext cx="4469760" cy="3565800"/>
+              <a:ext cx="4469400" cy="3565440"/>
             </a:xfrm>
             <a:prstGeom prst="rect">
               <a:avLst/>
@@ -4301,8 +4301,8 @@
           </p:nvSpPr>
           <p:spPr>
             <a:xfrm rot="16200000">
-              <a:off x="5962680" y="1157400"/>
-              <a:ext cx="1738800" cy="2772720"/>
+              <a:off x="5962680" y="1157760"/>
+              <a:ext cx="1738440" cy="2772360"/>
             </a:xfrm>
             <a:prstGeom prst="roundRect">
               <a:avLst>
@@ -4369,7 +4369,7 @@
         <p:spPr>
           <a:xfrm>
             <a:off x="586440" y="1246680"/>
-            <a:ext cx="4005720" cy="3601440"/>
+            <a:ext cx="4005360" cy="3601080"/>
           </a:xfrm>
           <a:prstGeom prst="rect">
             <a:avLst/>
@@ -4421,7 +4421,7 @@
         <p:spPr>
           <a:xfrm>
             <a:off x="5446080" y="1672200"/>
-            <a:ext cx="2781720" cy="1738800"/>
+            <a:ext cx="2781360" cy="1738440"/>
           </a:xfrm>
           <a:prstGeom prst="rect">
             <a:avLst/>
@@ -4473,7 +4473,7 @@
         <p:spPr>
           <a:xfrm>
             <a:off x="586440" y="453960"/>
-            <a:ext cx="3698280" cy="856800"/>
+            <a:ext cx="3697920" cy="856440"/>
           </a:xfrm>
           <a:prstGeom prst="rect">
             <a:avLst/>
@@ -4561,8 +4561,8 @@
         </p:nvSpPr>
         <p:spPr>
           <a:xfrm rot="2744400">
-            <a:off x="-282600" y="-25920"/>
-            <a:ext cx="705960" cy="705600"/>
+            <a:off x="-282240" y="-25920"/>
+            <a:ext cx="705600" cy="705240"/>
           </a:xfrm>
           <a:prstGeom prst="roundRect">
             <a:avLst>
@@ -4600,7 +4600,7 @@
         <p:spPr>
           <a:xfrm>
             <a:off x="569160" y="1888920"/>
-            <a:ext cx="4822560" cy="820800"/>
+            <a:ext cx="4822200" cy="820800"/>
           </a:xfrm>
           <a:prstGeom prst="rect">
             <a:avLst/>
@@ -4652,7 +4652,7 @@
         <p:spPr>
           <a:xfrm rot="18679800">
             <a:off x="6783120" y="457560"/>
-            <a:ext cx="6252120" cy="4667760"/>
+            <a:ext cx="6251760" cy="4667400"/>
           </a:xfrm>
           <a:prstGeom prst="roundRect">
             <a:avLst>
@@ -4689,8 +4689,8 @@
         </p:nvSpPr>
         <p:spPr>
           <a:xfrm rot="2625600">
-            <a:off x="6024960" y="4334040"/>
-            <a:ext cx="469800" cy="469800"/>
+            <a:off x="6024960" y="4333680"/>
+            <a:ext cx="469440" cy="469440"/>
           </a:xfrm>
           <a:prstGeom prst="roundRect">
             <a:avLst>
@@ -4728,7 +4728,7 @@
         <p:spPr>
           <a:xfrm>
             <a:off x="1640880" y="4592880"/>
-            <a:ext cx="2997000" cy="267840"/>
+            <a:ext cx="2996640" cy="267480"/>
           </a:xfrm>
           <a:prstGeom prst="rect">
             <a:avLst/>
@@ -4790,7 +4790,7 @@
         <p:spPr>
           <a:xfrm>
             <a:off x="867240" y="3590280"/>
-            <a:ext cx="254880" cy="255240"/>
+            <a:ext cx="254520" cy="254880"/>
           </a:xfrm>
           <a:prstGeom prst="ellipse">
             <a:avLst/>
@@ -4825,7 +4825,7 @@
         <p:spPr>
           <a:xfrm>
             <a:off x="351000" y="3793320"/>
-            <a:ext cx="1287360" cy="1132920"/>
+            <a:ext cx="1287000" cy="1132560"/>
           </a:xfrm>
           <a:prstGeom prst="rect">
             <a:avLst/>
